--- a/Team 8 - HAS-1.pptx
+++ b/Team 8 - HAS-1.pptx
@@ -5,22 +5,22 @@
     <p:sldMasterId id="2147483648" r:id="rId1"/>
   </p:sldMasterIdLst>
   <p:notesMasterIdLst>
-    <p:notesMasterId r:id="rId13"/>
+    <p:notesMasterId r:id="rId14"/>
   </p:notesMasterIdLst>
   <p:sldIdLst>
-    <p:sldId id="289" r:id="rId2"/>
-    <p:sldId id="290" r:id="rId3"/>
-    <p:sldId id="291" r:id="rId4"/>
-    <p:sldId id="292" r:id="rId5"/>
-    <p:sldId id="297" r:id="rId6"/>
-    <p:sldId id="293" r:id="rId7"/>
-    <p:sldId id="294" r:id="rId8"/>
-    <p:sldId id="306" r:id="rId9"/>
-    <p:sldId id="305" r:id="rId10"/>
-    <p:sldId id="296" r:id="rId11"/>
-    <p:sldId id="284" r:id="rId12"/>
+    <p:sldId id="289" r:id="rId3"/>
+    <p:sldId id="290" r:id="rId4"/>
+    <p:sldId id="291" r:id="rId5"/>
+    <p:sldId id="292" r:id="rId6"/>
+    <p:sldId id="297" r:id="rId7"/>
+    <p:sldId id="293" r:id="rId8"/>
+    <p:sldId id="294" r:id="rId9"/>
+    <p:sldId id="306" r:id="rId10"/>
+    <p:sldId id="305" r:id="rId11"/>
+    <p:sldId id="296" r:id="rId12"/>
+    <p:sldId id="284" r:id="rId13"/>
   </p:sldIdLst>
-  <p:sldSz cx="12190413" cy="6859588"/>
+  <p:sldSz cx="12190095" cy="6859270"/>
   <p:notesSz cx="20104100" cy="11309350"/>
   <p:defaultTextStyle>
     <a:defPPr>
@@ -209,7 +209,6 @@
           <a:p>
             <a:fld id="{F7A1BDA4-2362-46E4-B759-1C9E98069CBA}" type="datetimeFigureOut">
               <a:rPr lang="en-IN" smtClean="0"/>
-              <a:t>08-07-2023</a:t>
             </a:fld>
             <a:endParaRPr lang="en-IN" dirty="0"/>
           </a:p>
@@ -276,6 +275,7 @@
               <a:rPr lang="en-US"/>
               <a:t>Click to edit Master text styles</a:t>
             </a:r>
+            <a:endParaRPr lang="en-US"/>
           </a:p>
           <a:p>
             <a:pPr lvl="1"/>
@@ -283,6 +283,7 @@
               <a:rPr lang="en-US"/>
               <a:t>Second level</a:t>
             </a:r>
+            <a:endParaRPr lang="en-US"/>
           </a:p>
           <a:p>
             <a:pPr lvl="2"/>
@@ -290,6 +291,7 @@
               <a:rPr lang="en-US"/>
               <a:t>Third level</a:t>
             </a:r>
+            <a:endParaRPr lang="en-US"/>
           </a:p>
           <a:p>
             <a:pPr lvl="3"/>
@@ -297,6 +299,7 @@
               <a:rPr lang="en-US"/>
               <a:t>Fourth level</a:t>
             </a:r>
+            <a:endParaRPr lang="en-US"/>
           </a:p>
           <a:p>
             <a:pPr lvl="4"/>
@@ -368,18 +371,12 @@
           <a:p>
             <a:fld id="{0927FB57-2B27-45D5-B431-F3E7A10E73E6}" type="slidenum">
               <a:rPr lang="en-IN" smtClean="0"/>
-              <a:t>‹#›</a:t>
             </a:fld>
             <a:endParaRPr lang="en-IN" dirty="0"/>
           </a:p>
         </p:txBody>
       </p:sp>
     </p:spTree>
-    <p:extLst>
-      <p:ext uri="{BB962C8B-B14F-4D97-AF65-F5344CB8AC3E}">
-        <p14:creationId xmlns:p14="http://schemas.microsoft.com/office/powerpoint/2010/main" val="4257916591"/>
-      </p:ext>
-    </p:extLst>
   </p:cSld>
   <p:clrMap bg1="lt1" tx1="dk1" bg2="lt2" tx2="dk2" accent1="accent1" accent2="accent2" accent3="accent3" accent4="accent4" accent5="accent5" accent6="accent6" hlink="hlink" folHlink="folHlink"/>
   <p:notesStyle>
@@ -522,9 +519,7 @@
               <a:defRPr/>
             </a:lvl1pPr>
           </a:lstStyle>
-          <a:p>
-            <a:endParaRPr/>
-          </a:p>
+          <a:p/>
         </p:txBody>
       </p:sp>
       <p:sp>
@@ -555,9 +550,7 @@
               <a:defRPr/>
             </a:lvl1pPr>
           </a:lstStyle>
-          <a:p>
-            <a:endParaRPr/>
-          </a:p>
+          <a:p/>
         </p:txBody>
       </p:sp>
       <p:sp>
@@ -695,7 +688,6 @@
           <a:p>
             <a:fld id="{B6F15528-21DE-4FAA-801E-634DDDAF4B2B}" type="slidenum">
               <a:rPr/>
-              <a:t>‹#›</a:t>
             </a:fld>
             <a:endParaRPr dirty="0"/>
           </a:p>
@@ -755,9 +747,7 @@
               </a:defRPr>
             </a:lvl1pPr>
           </a:lstStyle>
-          <a:p>
-            <a:endParaRPr/>
-          </a:p>
+          <a:p/>
         </p:txBody>
       </p:sp>
       <p:sp>
@@ -782,9 +772,7 @@
               </a:defRPr>
             </a:lvl1pPr>
           </a:lstStyle>
-          <a:p>
-            <a:endParaRPr/>
-          </a:p>
+          <a:p/>
         </p:txBody>
       </p:sp>
       <p:sp>
@@ -922,7 +910,6 @@
           <a:p>
             <a:fld id="{B6F15528-21DE-4FAA-801E-634DDDAF4B2B}" type="slidenum">
               <a:rPr/>
-              <a:t>‹#›</a:t>
             </a:fld>
             <a:endParaRPr dirty="0"/>
           </a:p>
@@ -982,9 +969,7 @@
               </a:defRPr>
             </a:lvl1pPr>
           </a:lstStyle>
-          <a:p>
-            <a:endParaRPr/>
-          </a:p>
+          <a:p/>
         </p:txBody>
       </p:sp>
       <p:sp>
@@ -1015,9 +1000,7 @@
               <a:defRPr/>
             </a:lvl1pPr>
           </a:lstStyle>
-          <a:p>
-            <a:endParaRPr/>
-          </a:p>
+          <a:p/>
         </p:txBody>
       </p:sp>
       <p:sp>
@@ -1048,9 +1031,7 @@
               <a:defRPr/>
             </a:lvl1pPr>
           </a:lstStyle>
-          <a:p>
-            <a:endParaRPr/>
-          </a:p>
+          <a:p/>
         </p:txBody>
       </p:sp>
       <p:sp>
@@ -1188,7 +1169,6 @@
           <a:p>
             <a:fld id="{B6F15528-21DE-4FAA-801E-634DDDAF4B2B}" type="slidenum">
               <a:rPr/>
-              <a:t>‹#›</a:t>
             </a:fld>
             <a:endParaRPr dirty="0"/>
           </a:p>
@@ -1248,9 +1228,7 @@
               </a:defRPr>
             </a:lvl1pPr>
           </a:lstStyle>
-          <a:p>
-            <a:endParaRPr/>
-          </a:p>
+          <a:p/>
         </p:txBody>
       </p:sp>
       <p:sp>
@@ -1388,7 +1366,6 @@
           <a:p>
             <a:fld id="{B6F15528-21DE-4FAA-801E-634DDDAF4B2B}" type="slidenum">
               <a:rPr/>
-              <a:t>‹#›</a:t>
             </a:fld>
             <a:endParaRPr dirty="0"/>
           </a:p>
@@ -1554,7 +1531,6 @@
           <a:p>
             <a:fld id="{B6F15528-21DE-4FAA-801E-634DDDAF4B2B}" type="slidenum">
               <a:rPr/>
-              <a:t>‹#›</a:t>
             </a:fld>
             <a:endParaRPr dirty="0"/>
           </a:p>
@@ -1600,7 +1576,7 @@
           <p:nvPr userDrawn="1"/>
         </p:nvPicPr>
         <p:blipFill>
-          <a:blip r:embed="rId7" cstate="print"/>
+          <a:blip r:embed="rId6" cstate="print"/>
           <a:stretch>
             <a:fillRect/>
           </a:stretch>
@@ -2194,7 +2170,6 @@
           <a:p>
             <a:fld id="{B6F15528-21DE-4FAA-801E-634DDDAF4B2B}" type="slidenum">
               <a:rPr/>
-              <a:t>‹#›</a:t>
             </a:fld>
             <a:endParaRPr dirty="0"/>
           </a:p>
@@ -2380,7 +2355,7 @@
           <p:nvPr/>
         </p:nvPicPr>
         <p:blipFill>
-          <a:blip r:embed="rId2">
+          <a:blip r:embed="rId1">
             <a:extLst>
               <a:ext uri="{28A0092B-C50C-407E-A947-70E740481C1C}">
                 <a14:useLocalDpi xmlns:a14="http://schemas.microsoft.com/office/drawing/2010/main" val="0"/>
@@ -2485,6 +2460,7 @@
               <a:rPr spc="3" dirty="0"/>
               <a:t>Technologies</a:t>
             </a:r>
+            <a:endParaRPr spc="3" dirty="0"/>
           </a:p>
         </p:txBody>
       </p:sp>
@@ -2522,6 +2498,7 @@
               <a:rPr spc="3" dirty="0"/>
               <a:t>Confidential</a:t>
             </a:r>
+            <a:endParaRPr spc="3" dirty="0"/>
           </a:p>
         </p:txBody>
       </p:sp>
@@ -2578,6 +2555,27 @@
               </a:rPr>
               <a:t>HOSPITAL APPOINTMENT SYSTEM</a:t>
             </a:r>
+            <a:endParaRPr lang="en-IN" altLang="en-GB" sz="3600" b="1" dirty="0">
+              <a:ln w="6600">
+                <a:solidFill>
+                  <a:schemeClr val="accent2"/>
+                </a:solidFill>
+                <a:prstDash val="solid"/>
+              </a:ln>
+              <a:solidFill>
+                <a:schemeClr val="accent6">
+                  <a:lumMod val="75000"/>
+                </a:schemeClr>
+              </a:solidFill>
+              <a:effectLst>
+                <a:outerShdw dist="38100" dir="2700000" algn="tl" rotWithShape="0">
+                  <a:schemeClr val="accent2"/>
+                </a:outerShdw>
+              </a:effectLst>
+              <a:latin typeface="+mj-lt"/>
+              <a:ea typeface="Open Sans" pitchFamily="34" charset="0"/>
+              <a:cs typeface="Calibri Light" panose="020F0302020204030204" pitchFamily="34" charset="0"/>
+            </a:endParaRPr>
           </a:p>
         </p:txBody>
       </p:sp>
@@ -2666,6 +2664,12 @@
               </a:rPr>
               <a:t>Project Review (Planned vs Actual)</a:t>
             </a:r>
+            <a:endParaRPr lang="en-IN" sz="1600" b="1" dirty="0">
+              <a:solidFill>
+                <a:schemeClr val="tx1"/>
+              </a:solidFill>
+              <a:latin typeface="+mj-lt"/>
+            </a:endParaRPr>
           </a:p>
           <a:p>
             <a:pPr marL="285750" indent="-285750" algn="just" defTabSz="666750">
@@ -2692,6 +2696,14 @@
               </a:rPr>
               <a:t>Despite encountering some challenges during the project, we successfully planned and divided tasks among team members with a timeline of three weeks .</a:t>
             </a:r>
+            <a:endParaRPr lang="en-IN" sz="1600" dirty="0">
+              <a:solidFill>
+                <a:schemeClr val="tx1"/>
+              </a:solidFill>
+              <a:latin typeface="+mj-lt"/>
+              <a:ea typeface="Times New Roman" panose="02020603050405020304"/>
+              <a:cs typeface="Open Sans"/>
+            </a:endParaRPr>
           </a:p>
           <a:p>
             <a:pPr marL="285750" indent="-285750" algn="just" defTabSz="666750">
@@ -2718,6 +2730,14 @@
               </a:rPr>
               <a:t> However, we experienced delays in specific functionalities like Appointment Booking ,Payment Integration, Image/File Handling . </a:t>
             </a:r>
+            <a:endParaRPr lang="en-IN" sz="1600" dirty="0">
+              <a:solidFill>
+                <a:schemeClr val="tx1"/>
+              </a:solidFill>
+              <a:latin typeface="+mj-lt"/>
+              <a:ea typeface="Times New Roman" panose="02020603050405020304"/>
+              <a:cs typeface="Open Sans"/>
+            </a:endParaRPr>
           </a:p>
           <a:p>
             <a:pPr marL="285750" indent="-285750" algn="just" defTabSz="666750">
@@ -2742,8 +2762,16 @@
                 <a:ea typeface="Times New Roman" panose="02020603050405020304"/>
                 <a:cs typeface="Open Sans"/>
               </a:rPr>
-              <a:t> We took proactive steps by adding extra columns and modifying existing ones to improve our database. Additionally, as part of our commitment to quality, we decided to implement unit testing for the first time.</a:t>
-            </a:r>
+              <a:t> We took proactive steps by adding extra columns and modifying existing ones to improve our database. Additionally, as part of our commitment to quality, we decided to implement unit testing .</a:t>
+            </a:r>
+            <a:endParaRPr lang="en-IN" sz="1600" dirty="0">
+              <a:solidFill>
+                <a:schemeClr val="tx1"/>
+              </a:solidFill>
+              <a:latin typeface="+mj-lt"/>
+              <a:ea typeface="Times New Roman" panose="02020603050405020304"/>
+              <a:cs typeface="Open Sans"/>
+            </a:endParaRPr>
           </a:p>
           <a:p>
             <a:pPr marL="285750" indent="-285750" algn="just" defTabSz="666750">
@@ -2819,6 +2847,12 @@
               </a:rPr>
               <a:t>Lessons/ Key takeaways</a:t>
             </a:r>
+            <a:endParaRPr lang="en-IN" sz="1600" b="1" dirty="0">
+              <a:solidFill>
+                <a:schemeClr val="tx1"/>
+              </a:solidFill>
+              <a:latin typeface="+mj-lt"/>
+            </a:endParaRPr>
           </a:p>
           <a:p>
             <a:pPr marL="285750" indent="-285750" algn="just" defTabSz="666750">
@@ -2878,6 +2912,11 @@
               </a:rPr>
               <a:t>Solving conflicts while discussing opinions.</a:t>
             </a:r>
+            <a:endParaRPr lang="en-IN" altLang="en-GB" sz="1600" dirty="0" smtClean="0">
+              <a:solidFill>
+                <a:schemeClr val="tx1"/>
+              </a:solidFill>
+            </a:endParaRPr>
           </a:p>
           <a:p>
             <a:pPr marL="285750" indent="-285750" algn="just" defTabSz="666750">
@@ -2925,6 +2964,11 @@
               </a:rPr>
               <a:t>.</a:t>
             </a:r>
+            <a:endParaRPr lang="en-US" altLang="en-GB" sz="1600" dirty="0">
+              <a:solidFill>
+                <a:schemeClr val="tx1"/>
+              </a:solidFill>
+            </a:endParaRPr>
           </a:p>
           <a:p>
             <a:pPr marL="285750" indent="-285750" algn="just" defTabSz="666750">
@@ -3120,6 +3164,11 @@
               </a:rPr>
               <a:t>Project – Closure</a:t>
             </a:r>
+            <a:endParaRPr lang="en-IN" sz="1800" b="1" kern="0" dirty="0">
+              <a:solidFill>
+                <a:sysClr val="windowText" lastClr="000000"/>
+              </a:solidFill>
+            </a:endParaRPr>
           </a:p>
         </p:txBody>
       </p:sp>
@@ -3194,6 +3243,7 @@
               <a:rPr spc="9" dirty="0"/>
               <a:t>ou</a:t>
             </a:r>
+            <a:endParaRPr spc="9" dirty="0"/>
           </a:p>
         </p:txBody>
       </p:sp>
@@ -4191,7 +4241,7 @@
               <a:rPr lang="en-IN" sz="1200" spc="3" dirty="0">
                 <a:latin typeface="+mj-lt"/>
                 <a:cs typeface="PT Sans"/>
-                <a:hlinkClick r:id="rId2"/>
+                <a:hlinkClick r:id="rId1"/>
               </a:rPr>
               <a:t>info@pennanttech.com</a:t>
             </a:r>
@@ -4534,7 +4584,7 @@
               <a:rPr sz="1200" spc="3" dirty="0">
                 <a:latin typeface="+mj-lt"/>
                 <a:cs typeface="PT Sans"/>
-                <a:hlinkClick r:id="rId2"/>
+                <a:hlinkClick r:id="rId1"/>
               </a:rPr>
               <a:t>info@pennanttech.com</a:t>
             </a:r>
@@ -5109,6 +5159,9 @@
               </a:rPr>
               <a:t>Project Overview</a:t>
             </a:r>
+            <a:endParaRPr lang="en-IN" sz="1800" dirty="0">
+              <a:latin typeface="+mj-lt"/>
+            </a:endParaRPr>
           </a:p>
         </p:txBody>
       </p:sp>
@@ -5164,6 +5217,13 @@
               </a:rPr>
               <a:t>1</a:t>
             </a:r>
+            <a:endParaRPr lang="en-US" sz="2000" dirty="0">
+              <a:solidFill>
+                <a:schemeClr val="bg1"/>
+              </a:solidFill>
+              <a:latin typeface="+mj-lt"/>
+              <a:cs typeface="Calibri Light" panose="020F0302020204030204" pitchFamily="34" charset="0"/>
+            </a:endParaRPr>
           </a:p>
         </p:txBody>
       </p:sp>
@@ -5219,6 +5279,13 @@
               </a:rPr>
               <a:t>2</a:t>
             </a:r>
+            <a:endParaRPr lang="en-US" sz="2000" dirty="0">
+              <a:solidFill>
+                <a:schemeClr val="bg1"/>
+              </a:solidFill>
+              <a:latin typeface="+mj-lt"/>
+              <a:cs typeface="Calibri Light" panose="020F0302020204030204" pitchFamily="34" charset="0"/>
+            </a:endParaRPr>
           </a:p>
         </p:txBody>
       </p:sp>
@@ -5274,6 +5341,13 @@
               </a:rPr>
               <a:t>3</a:t>
             </a:r>
+            <a:endParaRPr lang="en-US" sz="2000" dirty="0">
+              <a:solidFill>
+                <a:schemeClr val="bg1"/>
+              </a:solidFill>
+              <a:latin typeface="+mj-lt"/>
+              <a:cs typeface="Calibri Light" panose="020F0302020204030204" pitchFamily="34" charset="0"/>
+            </a:endParaRPr>
           </a:p>
         </p:txBody>
       </p:sp>
@@ -5304,6 +5378,9 @@
               </a:rPr>
               <a:t>Project Planning, Execution &amp; Demonstration</a:t>
             </a:r>
+            <a:endParaRPr lang="en-IN" sz="1800" dirty="0">
+              <a:latin typeface="+mj-lt"/>
+            </a:endParaRPr>
           </a:p>
         </p:txBody>
       </p:sp>
@@ -5334,6 +5411,9 @@
               </a:rPr>
               <a:t>Project Closure</a:t>
             </a:r>
+            <a:endParaRPr lang="en-IN" sz="1800" dirty="0">
+              <a:latin typeface="+mj-lt"/>
+            </a:endParaRPr>
           </a:p>
         </p:txBody>
       </p:sp>
@@ -5506,6 +5586,11 @@
               </a:rPr>
               <a:t>Project Highlights	</a:t>
             </a:r>
+            <a:endParaRPr lang="en-IN" sz="1800" b="1" kern="0" dirty="0">
+              <a:solidFill>
+                <a:sysClr val="windowText" lastClr="000000"/>
+              </a:solidFill>
+            </a:endParaRPr>
           </a:p>
         </p:txBody>
       </p:sp>
@@ -5568,6 +5653,11 @@
               </a:rPr>
               <a:t>Project Overview:</a:t>
             </a:r>
+            <a:endParaRPr lang="en-IN" sz="1600" b="1" dirty="0">
+              <a:solidFill>
+                <a:schemeClr val="tx1"/>
+              </a:solidFill>
+            </a:endParaRPr>
           </a:p>
           <a:p>
             <a:pPr algn="just" defTabSz="666750">
@@ -5634,6 +5724,14 @@
               </a:rPr>
               <a:t>The Hospital Appointment System is a comprehensive web-based application that enables users to efficiently manage and book medical appointments. It caters to the needs of admin users, patients, and diagnostic center users. The system offers features such as user authentication, appointment scheduling, doctor and specialization management, revenue tracking, patient profiles, diagnostic test management, and payment processing. Admin users have access to a dashboard providing summary counts . Patients can view, book, and reschedule appointments, access their medical records, and manage family members' profiles. Diagnostic center users can manage tests, generate bills, and upload test reports. </a:t>
             </a:r>
+            <a:endParaRPr lang="en-IN" sz="1800" dirty="0">
+              <a:solidFill>
+                <a:schemeClr val="tx1"/>
+              </a:solidFill>
+              <a:latin typeface="Times New Roman" panose="02020603050405020304" charset="0"/>
+              <a:ea typeface="Times New Roman" panose="02020603050405020304"/>
+              <a:cs typeface="Times New Roman" panose="02020603050405020304" charset="0"/>
+            </a:endParaRPr>
           </a:p>
           <a:p>
             <a:pPr algn="just" defTabSz="666750">
@@ -5780,6 +5878,11 @@
               </a:rPr>
               <a:t>Project Team </a:t>
             </a:r>
+            <a:endParaRPr lang="en-IN" sz="1600" b="1" dirty="0">
+              <a:solidFill>
+                <a:schemeClr val="tx1"/>
+              </a:solidFill>
+            </a:endParaRPr>
           </a:p>
           <a:p>
             <a:pPr algn="just" defTabSz="666750">
@@ -5804,6 +5907,14 @@
               </a:rPr>
               <a:t>Team leader: </a:t>
             </a:r>
+            <a:endParaRPr lang="en-IN" sz="1600" b="1" dirty="0">
+              <a:solidFill>
+                <a:schemeClr val="tx1"/>
+              </a:solidFill>
+              <a:latin typeface="+mj-lt"/>
+              <a:ea typeface="Times New Roman" panose="02020603050405020304"/>
+              <a:cs typeface="Open Sans"/>
+            </a:endParaRPr>
           </a:p>
           <a:p>
             <a:pPr marL="285750" indent="-285750" algn="just" defTabSz="666750">
@@ -5830,6 +5941,14 @@
               </a:rPr>
               <a:t>P. V. V. Mahesh Kumar</a:t>
             </a:r>
+            <a:endParaRPr lang="en-IN" sz="1600" b="1" dirty="0">
+              <a:solidFill>
+                <a:schemeClr val="tx1"/>
+              </a:solidFill>
+              <a:latin typeface="+mj-lt"/>
+              <a:ea typeface="Times New Roman" panose="02020603050405020304"/>
+              <a:cs typeface="Open Sans"/>
+            </a:endParaRPr>
           </a:p>
           <a:p>
             <a:pPr marL="285750" indent="-285750" algn="just" defTabSz="666750">
@@ -5856,6 +5975,14 @@
               </a:rPr>
               <a:t>G. Beulah Christiana</a:t>
             </a:r>
+            <a:endParaRPr lang="en-IN" sz="1600" b="1" dirty="0">
+              <a:solidFill>
+                <a:schemeClr val="tx1"/>
+              </a:solidFill>
+              <a:latin typeface="+mj-lt"/>
+              <a:ea typeface="Times New Roman" panose="02020603050405020304"/>
+              <a:cs typeface="Open Sans"/>
+            </a:endParaRPr>
           </a:p>
           <a:p>
             <a:pPr algn="just" defTabSz="666750">
@@ -5901,6 +6028,14 @@
               </a:rPr>
               <a:t>Team Members:</a:t>
             </a:r>
+            <a:endParaRPr lang="en-IN" sz="1600" b="1" dirty="0">
+              <a:solidFill>
+                <a:schemeClr val="tx1"/>
+              </a:solidFill>
+              <a:latin typeface="+mj-lt"/>
+              <a:ea typeface="Times New Roman" panose="02020603050405020304"/>
+              <a:cs typeface="Open Sans"/>
+            </a:endParaRPr>
           </a:p>
           <a:p>
             <a:pPr marL="285750" indent="-285750" algn="just" defTabSz="666750">
@@ -5949,6 +6084,14 @@
               </a:rPr>
               <a:t> </a:t>
             </a:r>
+            <a:endParaRPr lang="en-IN" sz="1600" b="1" dirty="0">
+              <a:solidFill>
+                <a:schemeClr val="tx1"/>
+              </a:solidFill>
+              <a:latin typeface="+mj-lt"/>
+              <a:ea typeface="Times New Roman" panose="02020603050405020304"/>
+              <a:cs typeface="Open Sans"/>
+            </a:endParaRPr>
           </a:p>
           <a:p>
             <a:pPr marL="285750" indent="-285750" algn="just" defTabSz="666750">
@@ -5986,6 +6129,14 @@
               </a:rPr>
               <a:t> Priyadarshini </a:t>
             </a:r>
+            <a:endParaRPr lang="en-IN" sz="1600" b="1" dirty="0">
+              <a:solidFill>
+                <a:schemeClr val="tx1"/>
+              </a:solidFill>
+              <a:latin typeface="+mj-lt"/>
+              <a:ea typeface="Times New Roman" panose="02020603050405020304"/>
+              <a:cs typeface="Open Sans"/>
+            </a:endParaRPr>
           </a:p>
           <a:p>
             <a:pPr marL="285750" indent="-285750" algn="just" defTabSz="666750">
@@ -6034,6 +6185,14 @@
               </a:rPr>
               <a:t> </a:t>
             </a:r>
+            <a:endParaRPr lang="en-IN" sz="1600" b="1" dirty="0">
+              <a:solidFill>
+                <a:schemeClr val="tx1"/>
+              </a:solidFill>
+              <a:latin typeface="+mj-lt"/>
+              <a:ea typeface="Times New Roman" panose="02020603050405020304"/>
+              <a:cs typeface="Open Sans"/>
+            </a:endParaRPr>
           </a:p>
           <a:p>
             <a:pPr marL="285750" indent="-285750" algn="just" defTabSz="666750">
@@ -6082,6 +6241,14 @@
               </a:rPr>
               <a:t> Rama </a:t>
             </a:r>
+            <a:endParaRPr lang="en-IN" sz="1600" b="1" dirty="0">
+              <a:solidFill>
+                <a:schemeClr val="tx1"/>
+              </a:solidFill>
+              <a:latin typeface="+mj-lt"/>
+              <a:ea typeface="Times New Roman" panose="02020603050405020304"/>
+              <a:cs typeface="Open Sans"/>
+            </a:endParaRPr>
           </a:p>
           <a:p>
             <a:pPr algn="just" defTabSz="666750">
@@ -6329,7 +6496,27 @@
                 <a:latin typeface="Times New Roman" panose="02020603050405020304" charset="0"/>
                 <a:cs typeface="Times New Roman" panose="02020603050405020304" charset="0"/>
               </a:rPr>
-              <a:t>The Hospital Appointment System project aims to address challenges such as inefficient appointment booking, lack of centralized information, limited access to diagnostic reports, inadequate revenue tracking, inconvenience for patients and doctors, and manual prescription and consultation updates. By implementing an automated system with centralized data management, seamless report integration, efficient revenue tracking, and user-friendly features, the project aims to streamline operations, enhance patient care, and optimize the workflow within the hospital.</a:t>
+              <a:t>The Hospital Appointment System project aims to address challenges such as inefficient appointment booking, lack of centralized information, limited access to diagnostic reports, inadequate revenue tracking, inconvenience for patients and doctors, and manual prescription and consultation updates. By implementing </a:t>
+            </a:r>
+            <a:r>
+              <a:rPr lang="en-IN" altLang="en-US" sz="1600" dirty="0">
+                <a:solidFill>
+                  <a:schemeClr val="tx1"/>
+                </a:solidFill>
+                <a:latin typeface="Times New Roman" panose="02020603050405020304" charset="0"/>
+                <a:cs typeface="Times New Roman" panose="02020603050405020304" charset="0"/>
+              </a:rPr>
+              <a:t>a </a:t>
+            </a:r>
+            <a:r>
+              <a:rPr lang="en-US" sz="1600" dirty="0">
+                <a:solidFill>
+                  <a:schemeClr val="tx1"/>
+                </a:solidFill>
+                <a:latin typeface="Times New Roman" panose="02020603050405020304" charset="0"/>
+                <a:cs typeface="Times New Roman" panose="02020603050405020304" charset="0"/>
+              </a:rPr>
+              <a:t>system with centralized data management, report integration, efficient revenue tracking, and user-friendly features, the project aims to streamline operations, enhance patient care, and optimize the workflow within the hospital.</a:t>
             </a:r>
             <a:endParaRPr lang="en-IN" sz="1600" dirty="0">
               <a:solidFill>
@@ -6428,6 +6615,14 @@
               </a:rPr>
               <a:t>Streamline Appointment Booking</a:t>
             </a:r>
+            <a:endParaRPr lang="en-IN" sz="1600" dirty="0">
+              <a:solidFill>
+                <a:schemeClr val="tx1"/>
+              </a:solidFill>
+              <a:latin typeface="Times New Roman" panose="02020603050405020304" charset="0"/>
+              <a:ea typeface="Times New Roman" panose="02020603050405020304"/>
+              <a:cs typeface="Times New Roman" panose="02020603050405020304" charset="0"/>
+            </a:endParaRPr>
           </a:p>
           <a:p>
             <a:pPr marL="342900" indent="-342900" algn="just" defTabSz="666750">
@@ -6453,6 +6648,14 @@
               </a:rPr>
               <a:t>Enhanced Patient Experience</a:t>
             </a:r>
+            <a:endParaRPr lang="en-IN" sz="1600" dirty="0">
+              <a:solidFill>
+                <a:schemeClr val="tx1"/>
+              </a:solidFill>
+              <a:latin typeface="Times New Roman" panose="02020603050405020304" charset="0"/>
+              <a:ea typeface="Times New Roman" panose="02020603050405020304"/>
+              <a:cs typeface="Times New Roman" panose="02020603050405020304" charset="0"/>
+            </a:endParaRPr>
           </a:p>
           <a:p>
             <a:pPr marL="342900" indent="-342900" algn="just" defTabSz="666750">
@@ -6478,6 +6681,14 @@
               </a:rPr>
               <a:t>Revenue Tracking and Reporting</a:t>
             </a:r>
+            <a:endParaRPr lang="en-IN" sz="1600" dirty="0">
+              <a:solidFill>
+                <a:schemeClr val="tx1"/>
+              </a:solidFill>
+              <a:latin typeface="Times New Roman" panose="02020603050405020304" charset="0"/>
+              <a:ea typeface="Times New Roman" panose="02020603050405020304"/>
+              <a:cs typeface="Times New Roman" panose="02020603050405020304" charset="0"/>
+            </a:endParaRPr>
           </a:p>
           <a:p>
             <a:pPr marL="342900" indent="-342900" algn="just" defTabSz="666750">
@@ -6503,6 +6714,14 @@
               </a:rPr>
               <a:t>Efficient Management</a:t>
             </a:r>
+            <a:endParaRPr lang="en-IN" sz="1600" dirty="0">
+              <a:solidFill>
+                <a:schemeClr val="tx1"/>
+              </a:solidFill>
+              <a:latin typeface="Times New Roman" panose="02020603050405020304" charset="0"/>
+              <a:ea typeface="Times New Roman" panose="02020603050405020304"/>
+              <a:cs typeface="Times New Roman" panose="02020603050405020304" charset="0"/>
+            </a:endParaRPr>
           </a:p>
           <a:p>
             <a:pPr algn="just" defTabSz="666750">
@@ -6647,6 +6866,11 @@
               </a:rPr>
               <a:t>Project Highlights	</a:t>
             </a:r>
+            <a:endParaRPr lang="en-IN" sz="1800" b="1" kern="0" dirty="0">
+              <a:solidFill>
+                <a:sysClr val="windowText" lastClr="000000"/>
+              </a:solidFill>
+            </a:endParaRPr>
           </a:p>
         </p:txBody>
       </p:sp>
@@ -6812,10 +7036,17 @@
               </a:rPr>
               <a:t>Management</a:t>
             </a:r>
+            <a:endParaRPr lang="en-US" sz="1300" dirty="0" smtClean="0">
+              <a:solidFill>
+                <a:schemeClr val="tx1"/>
+              </a:solidFill>
+              <a:latin typeface="Times New Roman" panose="02020603050405020304" charset="0"/>
+              <a:cs typeface="Times New Roman" panose="02020603050405020304" charset="0"/>
+            </a:endParaRPr>
           </a:p>
           <a:p>
             <a:pPr marL="285750" indent="-285750">
-              <a:buFont typeface="Arial" pitchFamily="34" charset="0"/>
+              <a:buFont typeface="Arial" panose="020B0604020202020204" pitchFamily="34" charset="0"/>
               <a:buChar char="•"/>
             </a:pPr>
             <a:r>
@@ -6823,15 +7054,22 @@
                 <a:solidFill>
                   <a:schemeClr val="tx1"/>
                 </a:solidFill>
-                <a:latin typeface="Times New Roman" pitchFamily="18" charset="0"/>
-                <a:cs typeface="Times New Roman" pitchFamily="18" charset="0"/>
+                <a:latin typeface="Times New Roman" panose="02020603050405020304" charset="0"/>
+                <a:cs typeface="Times New Roman" panose="02020603050405020304" charset="0"/>
               </a:rPr>
               <a:t>Booking appointments</a:t>
             </a:r>
+            <a:endParaRPr lang="en-GB" sz="1400" dirty="0">
+              <a:solidFill>
+                <a:schemeClr val="tx1"/>
+              </a:solidFill>
+              <a:latin typeface="Times New Roman" panose="02020603050405020304" charset="0"/>
+              <a:cs typeface="Times New Roman" panose="02020603050405020304" charset="0"/>
+            </a:endParaRPr>
           </a:p>
           <a:p>
             <a:pPr marL="285750" indent="-285750">
-              <a:buFont typeface="Arial" pitchFamily="34" charset="0"/>
+              <a:buFont typeface="Arial" panose="020B0604020202020204" pitchFamily="34" charset="0"/>
               <a:buChar char="•"/>
             </a:pPr>
             <a:r>
@@ -6839,15 +7077,22 @@
                 <a:solidFill>
                   <a:schemeClr val="tx1"/>
                 </a:solidFill>
-                <a:latin typeface="Times New Roman" pitchFamily="18" charset="0"/>
-                <a:cs typeface="Times New Roman" pitchFamily="18" charset="0"/>
+                <a:latin typeface="Times New Roman" panose="02020603050405020304" charset="0"/>
+                <a:cs typeface="Times New Roman" panose="02020603050405020304" charset="0"/>
               </a:rPr>
               <a:t>Managing doctors' schedules and availability</a:t>
             </a:r>
+            <a:endParaRPr lang="en-GB" sz="1400" dirty="0">
+              <a:solidFill>
+                <a:schemeClr val="tx1"/>
+              </a:solidFill>
+              <a:latin typeface="Times New Roman" panose="02020603050405020304" charset="0"/>
+              <a:cs typeface="Times New Roman" panose="02020603050405020304" charset="0"/>
+            </a:endParaRPr>
           </a:p>
           <a:p>
             <a:pPr marL="285750" indent="-285750">
-              <a:buFont typeface="Arial" pitchFamily="34" charset="0"/>
+              <a:buFont typeface="Arial" panose="020B0604020202020204" pitchFamily="34" charset="0"/>
               <a:buChar char="•"/>
             </a:pPr>
             <a:r>
@@ -6855,11 +7100,18 @@
                 <a:solidFill>
                   <a:schemeClr val="tx1"/>
                 </a:solidFill>
-                <a:latin typeface="Times New Roman" pitchFamily="18" charset="0"/>
-                <a:cs typeface="Times New Roman" pitchFamily="18" charset="0"/>
+                <a:latin typeface="Times New Roman" panose="02020603050405020304" charset="0"/>
+                <a:cs typeface="Times New Roman" panose="02020603050405020304" charset="0"/>
               </a:rPr>
               <a:t>Coordinating with patients to confirm appointments</a:t>
             </a:r>
+            <a:endParaRPr lang="en-GB" sz="1400" dirty="0">
+              <a:solidFill>
+                <a:schemeClr val="tx1"/>
+              </a:solidFill>
+              <a:latin typeface="Times New Roman" panose="02020603050405020304" charset="0"/>
+              <a:cs typeface="Times New Roman" panose="02020603050405020304" charset="0"/>
+            </a:endParaRPr>
           </a:p>
           <a:p>
             <a:endParaRPr lang="en-US" sz="1300" dirty="0">
@@ -6929,6 +7181,11 @@
               </a:rPr>
               <a:t>G. Beulah Christiana </a:t>
             </a:r>
+            <a:endParaRPr lang="en-IN" sz="1400" dirty="0">
+              <a:solidFill>
+                <a:schemeClr val="tx1"/>
+              </a:solidFill>
+            </a:endParaRPr>
           </a:p>
         </p:txBody>
       </p:sp>
@@ -7013,7 +7270,7 @@
           </a:p>
           <a:p>
             <a:pPr marL="285750" indent="-285750">
-              <a:buFont typeface="Arial" pitchFamily="34" charset="0"/>
+              <a:buFont typeface="Arial" panose="020B0604020202020204" pitchFamily="34" charset="0"/>
               <a:buChar char="•"/>
             </a:pPr>
             <a:r>
@@ -7026,10 +7283,17 @@
               </a:rPr>
               <a:t>Payment processing</a:t>
             </a:r>
+            <a:endParaRPr lang="en-IN" sz="1300" dirty="0" smtClean="0">
+              <a:solidFill>
+                <a:schemeClr val="tx1"/>
+              </a:solidFill>
+              <a:latin typeface="Times New Roman" panose="02020603050405020304" charset="0"/>
+              <a:cs typeface="Times New Roman" panose="02020603050405020304" charset="0"/>
+            </a:endParaRPr>
           </a:p>
           <a:p>
             <a:pPr marL="285750" indent="-285750">
-              <a:buFont typeface="Arial" pitchFamily="34" charset="0"/>
+              <a:buFont typeface="Arial" panose="020B0604020202020204" pitchFamily="34" charset="0"/>
               <a:buChar char="•"/>
             </a:pPr>
             <a:r>
@@ -7062,7 +7326,7 @@
           </a:p>
           <a:p>
             <a:pPr marL="285750" indent="-285750">
-              <a:buFont typeface="Arial" pitchFamily="34" charset="0"/>
+              <a:buFont typeface="Arial" panose="020B0604020202020204" pitchFamily="34" charset="0"/>
               <a:buChar char="•"/>
             </a:pPr>
             <a:r>
@@ -7205,8 +7469,8 @@
                 <a:solidFill>
                   <a:schemeClr val="tx1"/>
                 </a:solidFill>
-                <a:latin typeface="Times New Roman" pitchFamily="18" charset="0"/>
-                <a:cs typeface="Times New Roman" pitchFamily="18" charset="0"/>
+                <a:latin typeface="Times New Roman" panose="02020603050405020304" charset="0"/>
+                <a:cs typeface="Times New Roman" panose="02020603050405020304" charset="0"/>
               </a:rPr>
               <a:t>Primary Role</a:t>
             </a:r>
@@ -7215,8 +7479,8 @@
                 <a:solidFill>
                   <a:schemeClr val="tx1"/>
                 </a:solidFill>
-                <a:latin typeface="Times New Roman" pitchFamily="18" charset="0"/>
-                <a:cs typeface="Times New Roman" pitchFamily="18" charset="0"/>
+                <a:latin typeface="Times New Roman" panose="02020603050405020304" charset="0"/>
+                <a:cs typeface="Times New Roman" panose="02020603050405020304" charset="0"/>
               </a:rPr>
               <a:t>: Test and Specialization </a:t>
             </a:r>
@@ -7225,15 +7489,22 @@
                 <a:solidFill>
                   <a:schemeClr val="tx1"/>
                 </a:solidFill>
-                <a:latin typeface="Times New Roman" pitchFamily="18" charset="0"/>
-                <a:cs typeface="Times New Roman" pitchFamily="18" charset="0"/>
+                <a:latin typeface="Times New Roman" panose="02020603050405020304" charset="0"/>
+                <a:cs typeface="Times New Roman" panose="02020603050405020304" charset="0"/>
               </a:rPr>
               <a:t>Management</a:t>
             </a:r>
+            <a:endParaRPr lang="en-US" sz="1300" dirty="0" smtClean="0">
+              <a:solidFill>
+                <a:schemeClr val="tx1"/>
+              </a:solidFill>
+              <a:latin typeface="Times New Roman" panose="02020603050405020304" charset="0"/>
+              <a:cs typeface="Times New Roman" panose="02020603050405020304" charset="0"/>
+            </a:endParaRPr>
           </a:p>
           <a:p>
             <a:pPr marL="285750" indent="-285750" algn="just">
-              <a:buFont typeface="Arial" pitchFamily="34" charset="0"/>
+              <a:buFont typeface="Arial" panose="020B0604020202020204" pitchFamily="34" charset="0"/>
               <a:buChar char="•"/>
             </a:pPr>
             <a:r>
@@ -7241,8 +7512,8 @@
                 <a:solidFill>
                   <a:schemeClr val="tx1"/>
                 </a:solidFill>
-                <a:latin typeface="Times New Roman" pitchFamily="18" charset="0"/>
-                <a:cs typeface="Times New Roman" pitchFamily="18" charset="0"/>
+                <a:latin typeface="Times New Roman" panose="02020603050405020304" charset="0"/>
+                <a:cs typeface="Times New Roman" panose="02020603050405020304" charset="0"/>
               </a:rPr>
               <a:t>Managing medical </a:t>
             </a:r>
@@ -7251,15 +7522,22 @@
                 <a:solidFill>
                   <a:schemeClr val="tx1"/>
                 </a:solidFill>
-                <a:latin typeface="Times New Roman" pitchFamily="18" charset="0"/>
-                <a:cs typeface="Times New Roman" pitchFamily="18" charset="0"/>
+                <a:latin typeface="Times New Roman" panose="02020603050405020304" charset="0"/>
+                <a:cs typeface="Times New Roman" panose="02020603050405020304" charset="0"/>
               </a:rPr>
               <a:t>specializations at Admin</a:t>
             </a:r>
+            <a:endParaRPr lang="en-US" sz="1400" dirty="0" smtClean="0">
+              <a:solidFill>
+                <a:schemeClr val="tx1"/>
+              </a:solidFill>
+              <a:latin typeface="Times New Roman" panose="02020603050405020304" charset="0"/>
+              <a:cs typeface="Times New Roman" panose="02020603050405020304" charset="0"/>
+            </a:endParaRPr>
           </a:p>
           <a:p>
             <a:pPr marL="285750" indent="-285750" algn="just">
-              <a:buFont typeface="Arial" pitchFamily="34" charset="0"/>
+              <a:buFont typeface="Arial" panose="020B0604020202020204" pitchFamily="34" charset="0"/>
               <a:buChar char="•"/>
             </a:pPr>
             <a:r>
@@ -7267,8 +7545,8 @@
                 <a:solidFill>
                   <a:schemeClr val="tx1"/>
                 </a:solidFill>
-                <a:latin typeface="Times New Roman" pitchFamily="18" charset="0"/>
-                <a:cs typeface="Times New Roman" pitchFamily="18" charset="0"/>
+                <a:latin typeface="Times New Roman" panose="02020603050405020304" charset="0"/>
+                <a:cs typeface="Times New Roman" panose="02020603050405020304" charset="0"/>
               </a:rPr>
               <a:t>Managing medical </a:t>
             </a:r>
@@ -7277,8 +7555,8 @@
                 <a:solidFill>
                   <a:schemeClr val="tx1"/>
                 </a:solidFill>
-                <a:latin typeface="Times New Roman" pitchFamily="18" charset="0"/>
-                <a:cs typeface="Times New Roman" pitchFamily="18" charset="0"/>
+                <a:latin typeface="Times New Roman" panose="02020603050405020304" charset="0"/>
+                <a:cs typeface="Times New Roman" panose="02020603050405020304" charset="0"/>
               </a:rPr>
               <a:t>tests </a:t>
             </a:r>
@@ -7287,15 +7565,22 @@
                 <a:solidFill>
                   <a:schemeClr val="tx1"/>
                 </a:solidFill>
-                <a:latin typeface="Times New Roman" pitchFamily="18" charset="0"/>
-                <a:cs typeface="Times New Roman" pitchFamily="18" charset="0"/>
+                <a:latin typeface="Times New Roman" panose="02020603050405020304" charset="0"/>
+                <a:cs typeface="Times New Roman" panose="02020603050405020304" charset="0"/>
               </a:rPr>
               <a:t>at DC Admin</a:t>
             </a:r>
+            <a:endParaRPr lang="en-US" sz="1400" dirty="0">
+              <a:solidFill>
+                <a:schemeClr val="tx1"/>
+              </a:solidFill>
+              <a:latin typeface="Times New Roman" panose="02020603050405020304" charset="0"/>
+              <a:cs typeface="Times New Roman" panose="02020603050405020304" charset="0"/>
+            </a:endParaRPr>
           </a:p>
           <a:p>
             <a:pPr marL="285750" indent="-285750" algn="just">
-              <a:buFont typeface="Arial" pitchFamily="34" charset="0"/>
+              <a:buFont typeface="Arial" panose="020B0604020202020204" pitchFamily="34" charset="0"/>
               <a:buChar char="•"/>
             </a:pPr>
             <a:endParaRPr lang="en-US" sz="1400" dirty="0" smtClean="0">
@@ -7355,6 +7640,11 @@
               </a:rPr>
               <a:t> </a:t>
             </a:r>
+            <a:endParaRPr lang="en-IN" sz="1400" dirty="0">
+              <a:solidFill>
+                <a:schemeClr val="tx1"/>
+              </a:solidFill>
+            </a:endParaRPr>
           </a:p>
           <a:p>
             <a:pPr algn="ctr"/>
@@ -7374,6 +7664,11 @@
               </a:rPr>
               <a:t> Priyadarshini</a:t>
             </a:r>
+            <a:endParaRPr lang="en-IN" sz="1400" dirty="0">
+              <a:solidFill>
+                <a:schemeClr val="tx1"/>
+              </a:solidFill>
+            </a:endParaRPr>
           </a:p>
         </p:txBody>
       </p:sp>
@@ -7448,10 +7743,17 @@
               </a:rPr>
               <a:t>Dashboard</a:t>
             </a:r>
+            <a:endParaRPr lang="en-US" sz="1300" dirty="0" smtClean="0">
+              <a:solidFill>
+                <a:schemeClr val="tx1"/>
+              </a:solidFill>
+              <a:latin typeface="Times New Roman" panose="02020603050405020304" charset="0"/>
+              <a:cs typeface="Times New Roman" panose="02020603050405020304" charset="0"/>
+            </a:endParaRPr>
           </a:p>
           <a:p>
             <a:pPr marL="285750" indent="-285750">
-              <a:buFont typeface="Arial" pitchFamily="34" charset="0"/>
+              <a:buFont typeface="Arial" panose="020B0604020202020204" pitchFamily="34" charset="0"/>
               <a:buChar char="•"/>
             </a:pPr>
             <a:r>
@@ -7459,15 +7761,22 @@
                 <a:solidFill>
                   <a:schemeClr val="tx1"/>
                 </a:solidFill>
-                <a:latin typeface="Times New Roman" pitchFamily="18" charset="0"/>
-                <a:cs typeface="Times New Roman" pitchFamily="18" charset="0"/>
+                <a:latin typeface="Times New Roman" panose="02020603050405020304" charset="0"/>
+                <a:cs typeface="Times New Roman" panose="02020603050405020304" charset="0"/>
               </a:rPr>
               <a:t>Updating patient records after consultations</a:t>
             </a:r>
+            <a:endParaRPr lang="en-US" sz="1400" dirty="0">
+              <a:solidFill>
+                <a:schemeClr val="tx1"/>
+              </a:solidFill>
+              <a:latin typeface="Times New Roman" panose="02020603050405020304" charset="0"/>
+              <a:cs typeface="Times New Roman" panose="02020603050405020304" charset="0"/>
+            </a:endParaRPr>
           </a:p>
           <a:p>
             <a:pPr marL="285750" indent="-285750">
-              <a:buFont typeface="Arial" pitchFamily="34" charset="0"/>
+              <a:buFont typeface="Arial" panose="020B0604020202020204" pitchFamily="34" charset="0"/>
               <a:buChar char="•"/>
             </a:pPr>
             <a:r>
@@ -7475,8 +7784,8 @@
                 <a:solidFill>
                   <a:schemeClr val="tx1"/>
                 </a:solidFill>
-                <a:latin typeface="Times New Roman" pitchFamily="18" charset="0"/>
-                <a:cs typeface="Times New Roman" pitchFamily="18" charset="0"/>
+                <a:latin typeface="Times New Roman" panose="02020603050405020304" charset="0"/>
+                <a:cs typeface="Times New Roman" panose="02020603050405020304" charset="0"/>
               </a:rPr>
               <a:t>Managing post-consultation </a:t>
             </a:r>
@@ -7485,15 +7794,22 @@
                 <a:solidFill>
                   <a:schemeClr val="tx1"/>
                 </a:solidFill>
-                <a:latin typeface="Times New Roman" pitchFamily="18" charset="0"/>
-                <a:cs typeface="Times New Roman" pitchFamily="18" charset="0"/>
+                <a:latin typeface="Times New Roman" panose="02020603050405020304" charset="0"/>
+                <a:cs typeface="Times New Roman" panose="02020603050405020304" charset="0"/>
               </a:rPr>
               <a:t>information</a:t>
             </a:r>
+            <a:endParaRPr lang="en-US" sz="1400" dirty="0" smtClean="0">
+              <a:solidFill>
+                <a:schemeClr val="tx1"/>
+              </a:solidFill>
+              <a:latin typeface="Times New Roman" panose="02020603050405020304" charset="0"/>
+              <a:cs typeface="Times New Roman" panose="02020603050405020304" charset="0"/>
+            </a:endParaRPr>
           </a:p>
           <a:p>
             <a:pPr marL="285750" indent="-285750">
-              <a:buFont typeface="Arial" pitchFamily="34" charset="0"/>
+              <a:buFont typeface="Arial" panose="020B0604020202020204" pitchFamily="34" charset="0"/>
               <a:buChar char="•"/>
             </a:pPr>
             <a:r>
@@ -7501,8 +7817,8 @@
                 <a:solidFill>
                   <a:schemeClr val="tx1"/>
                 </a:solidFill>
-                <a:latin typeface="Times New Roman" pitchFamily="18" charset="0"/>
-                <a:cs typeface="Times New Roman" pitchFamily="18" charset="0"/>
+                <a:latin typeface="Times New Roman" panose="02020603050405020304" charset="0"/>
+                <a:cs typeface="Times New Roman" panose="02020603050405020304" charset="0"/>
               </a:rPr>
               <a:t>Managing Admin dashboard</a:t>
             </a:r>
@@ -7510,8 +7826,8 @@
               <a:solidFill>
                 <a:schemeClr val="tx1"/>
               </a:solidFill>
-              <a:latin typeface="Times New Roman" pitchFamily="18" charset="0"/>
-              <a:cs typeface="Times New Roman" pitchFamily="18" charset="0"/>
+              <a:latin typeface="Times New Roman" panose="02020603050405020304" charset="0"/>
+              <a:cs typeface="Times New Roman" panose="02020603050405020304" charset="0"/>
             </a:endParaRPr>
           </a:p>
         </p:txBody>
@@ -7636,8 +7952,8 @@
                 <a:solidFill>
                   <a:schemeClr val="tx1"/>
                 </a:solidFill>
-                <a:latin typeface="Times New Roman" pitchFamily="18" charset="0"/>
-                <a:cs typeface="Times New Roman" pitchFamily="18" charset="0"/>
+                <a:latin typeface="Times New Roman" panose="02020603050405020304" charset="0"/>
+                <a:cs typeface="Times New Roman" panose="02020603050405020304" charset="0"/>
               </a:rPr>
               <a:t>Primary Role</a:t>
             </a:r>
@@ -7646,8 +7962,8 @@
                 <a:solidFill>
                   <a:schemeClr val="tx1"/>
                 </a:solidFill>
-                <a:latin typeface="Times New Roman" pitchFamily="18" charset="0"/>
-                <a:cs typeface="Times New Roman" pitchFamily="18" charset="0"/>
+                <a:latin typeface="Times New Roman" panose="02020603050405020304" charset="0"/>
+                <a:cs typeface="Times New Roman" panose="02020603050405020304" charset="0"/>
               </a:rPr>
               <a:t>: Report and Patient </a:t>
             </a:r>
@@ -7656,15 +7972,22 @@
                 <a:solidFill>
                   <a:schemeClr val="tx1"/>
                 </a:solidFill>
-                <a:latin typeface="Times New Roman" pitchFamily="18" charset="0"/>
-                <a:cs typeface="Times New Roman" pitchFamily="18" charset="0"/>
+                <a:latin typeface="Times New Roman" panose="02020603050405020304" charset="0"/>
+                <a:cs typeface="Times New Roman" panose="02020603050405020304" charset="0"/>
               </a:rPr>
               <a:t>Management</a:t>
             </a:r>
+            <a:endParaRPr lang="en-US" sz="1300" dirty="0" smtClean="0">
+              <a:solidFill>
+                <a:schemeClr val="tx1"/>
+              </a:solidFill>
+              <a:latin typeface="Times New Roman" panose="02020603050405020304" charset="0"/>
+              <a:cs typeface="Times New Roman" panose="02020603050405020304" charset="0"/>
+            </a:endParaRPr>
           </a:p>
           <a:p>
             <a:pPr marL="285750" indent="-285750">
-              <a:buFont typeface="Arial" pitchFamily="34" charset="0"/>
+              <a:buFont typeface="Arial" panose="020B0604020202020204" pitchFamily="34" charset="0"/>
               <a:buChar char="•"/>
             </a:pPr>
             <a:r>
@@ -7672,22 +7995,32 @@
                 <a:solidFill>
                   <a:schemeClr val="tx1"/>
                 </a:solidFill>
-                <a:latin typeface="Times New Roman" pitchFamily="18" charset="0"/>
-                <a:cs typeface="Times New Roman" pitchFamily="18" charset="0"/>
+                <a:latin typeface="Times New Roman" panose="02020603050405020304" charset="0"/>
+                <a:cs typeface="Times New Roman" panose="02020603050405020304" charset="0"/>
               </a:rPr>
               <a:t>Displaying reports based on medical data</a:t>
             </a:r>
+            <a:r>
+              <a:rPr lang="en-IN" altLang="en-GB" sz="1400" dirty="0" smtClean="0">
+                <a:solidFill>
+                  <a:schemeClr val="tx1"/>
+                </a:solidFill>
+                <a:latin typeface="Times New Roman" panose="02020603050405020304" charset="0"/>
+                <a:cs typeface="Times New Roman" panose="02020603050405020304" charset="0"/>
+              </a:rPr>
+              <a:t> and revenue generated by tests</a:t>
+            </a:r>
             <a:endParaRPr lang="en-GB" sz="1400" dirty="0">
               <a:solidFill>
                 <a:schemeClr val="tx1"/>
               </a:solidFill>
-              <a:latin typeface="Times New Roman" pitchFamily="18" charset="0"/>
-              <a:cs typeface="Times New Roman" pitchFamily="18" charset="0"/>
+              <a:latin typeface="Times New Roman" panose="02020603050405020304" charset="0"/>
+              <a:cs typeface="Times New Roman" panose="02020603050405020304" charset="0"/>
             </a:endParaRPr>
           </a:p>
           <a:p>
             <a:pPr marL="285750" indent="-285750">
-              <a:buFont typeface="Arial" pitchFamily="34" charset="0"/>
+              <a:buFont typeface="Arial" panose="020B0604020202020204" pitchFamily="34" charset="0"/>
               <a:buChar char="•"/>
             </a:pPr>
             <a:r>
@@ -7695,15 +8028,22 @@
                 <a:solidFill>
                   <a:schemeClr val="tx1"/>
                 </a:solidFill>
-                <a:latin typeface="Times New Roman" pitchFamily="18" charset="0"/>
-                <a:cs typeface="Times New Roman" pitchFamily="18" charset="0"/>
+                <a:latin typeface="Times New Roman" panose="02020603050405020304" charset="0"/>
+                <a:cs typeface="Times New Roman" panose="02020603050405020304" charset="0"/>
               </a:rPr>
               <a:t>Managing patient-related information</a:t>
             </a:r>
+            <a:endParaRPr lang="en-GB" sz="1400" dirty="0">
+              <a:solidFill>
+                <a:schemeClr val="tx1"/>
+              </a:solidFill>
+              <a:latin typeface="Times New Roman" panose="02020603050405020304" charset="0"/>
+              <a:cs typeface="Times New Roman" panose="02020603050405020304" charset="0"/>
+            </a:endParaRPr>
           </a:p>
           <a:p>
             <a:pPr marL="285750" indent="-285750">
-              <a:buFont typeface="Arial" pitchFamily="34" charset="0"/>
+              <a:buFont typeface="Arial" panose="020B0604020202020204" pitchFamily="34" charset="0"/>
               <a:buChar char="•"/>
             </a:pPr>
             <a:r>
@@ -7711,8 +8051,8 @@
                 <a:solidFill>
                   <a:schemeClr val="tx1"/>
                 </a:solidFill>
-                <a:latin typeface="Times New Roman" pitchFamily="18" charset="0"/>
-                <a:cs typeface="Times New Roman" pitchFamily="18" charset="0"/>
+                <a:latin typeface="Times New Roman" panose="02020603050405020304" charset="0"/>
+                <a:cs typeface="Times New Roman" panose="02020603050405020304" charset="0"/>
               </a:rPr>
               <a:t>Handling family </a:t>
             </a:r>
@@ -7721,8 +8061,8 @@
                 <a:solidFill>
                   <a:schemeClr val="tx1"/>
                 </a:solidFill>
-                <a:latin typeface="Times New Roman" pitchFamily="18" charset="0"/>
-                <a:cs typeface="Times New Roman" pitchFamily="18" charset="0"/>
+                <a:latin typeface="Times New Roman" panose="02020603050405020304" charset="0"/>
+                <a:cs typeface="Times New Roman" panose="02020603050405020304" charset="0"/>
               </a:rPr>
               <a:t>members </a:t>
             </a:r>
@@ -7731,11 +8071,18 @@
                 <a:solidFill>
                   <a:schemeClr val="tx1"/>
                 </a:solidFill>
-                <a:latin typeface="Times New Roman" pitchFamily="18" charset="0"/>
-                <a:cs typeface="Times New Roman" pitchFamily="18" charset="0"/>
+                <a:latin typeface="Times New Roman" panose="02020603050405020304" charset="0"/>
+                <a:cs typeface="Times New Roman" panose="02020603050405020304" charset="0"/>
               </a:rPr>
               <a:t>records</a:t>
             </a:r>
+            <a:endParaRPr lang="en-GB" sz="1400" dirty="0">
+              <a:solidFill>
+                <a:schemeClr val="tx1"/>
+              </a:solidFill>
+              <a:latin typeface="Times New Roman" panose="02020603050405020304" charset="0"/>
+              <a:cs typeface="Times New Roman" panose="02020603050405020304" charset="0"/>
+            </a:endParaRPr>
           </a:p>
           <a:p>
             <a:endParaRPr lang="en-US" sz="1300" dirty="0" smtClean="0">
@@ -7821,6 +8168,11 @@
               </a:rPr>
               <a:t> Rama </a:t>
             </a:r>
+            <a:endParaRPr lang="en-IN" sz="1400" dirty="0">
+              <a:solidFill>
+                <a:schemeClr val="tx1"/>
+              </a:solidFill>
+            </a:endParaRPr>
           </a:p>
         </p:txBody>
       </p:sp>
@@ -7871,8 +8223,8 @@
                 <a:solidFill>
                   <a:schemeClr val="tx1"/>
                 </a:solidFill>
-                <a:latin typeface="Times New Roman" pitchFamily="18" charset="0"/>
-                <a:cs typeface="Times New Roman" pitchFamily="18" charset="0"/>
+                <a:latin typeface="Times New Roman" panose="02020603050405020304" charset="0"/>
+                <a:cs typeface="Times New Roman" panose="02020603050405020304" charset="0"/>
               </a:rPr>
               <a:t>Primary Role: </a:t>
             </a:r>
@@ -7881,8 +8233,8 @@
                 <a:solidFill>
                   <a:schemeClr val="tx1"/>
                 </a:solidFill>
-                <a:latin typeface="Times New Roman" pitchFamily="18" charset="0"/>
-                <a:cs typeface="Times New Roman" pitchFamily="18" charset="0"/>
+                <a:latin typeface="Times New Roman" panose="02020603050405020304" charset="0"/>
+                <a:cs typeface="Times New Roman" panose="02020603050405020304" charset="0"/>
               </a:rPr>
               <a:t>Doctor Management, User </a:t>
             </a:r>
@@ -7891,15 +8243,22 @@
                 <a:solidFill>
                   <a:schemeClr val="tx1"/>
                 </a:solidFill>
-                <a:latin typeface="Times New Roman" pitchFamily="18" charset="0"/>
-                <a:cs typeface="Times New Roman" pitchFamily="18" charset="0"/>
+                <a:latin typeface="Times New Roman" panose="02020603050405020304" charset="0"/>
+                <a:cs typeface="Times New Roman" panose="02020603050405020304" charset="0"/>
               </a:rPr>
               <a:t>Management</a:t>
             </a:r>
+            <a:endParaRPr lang="en-US" sz="1300" dirty="0" smtClean="0">
+              <a:solidFill>
+                <a:schemeClr val="tx1"/>
+              </a:solidFill>
+              <a:latin typeface="Times New Roman" panose="02020603050405020304" charset="0"/>
+              <a:cs typeface="Times New Roman" panose="02020603050405020304" charset="0"/>
+            </a:endParaRPr>
           </a:p>
           <a:p>
             <a:pPr marL="285750" indent="-285750">
-              <a:buFont typeface="Arial" pitchFamily="34" charset="0"/>
+              <a:buFont typeface="Arial" panose="020B0604020202020204" pitchFamily="34" charset="0"/>
               <a:buChar char="•"/>
             </a:pPr>
             <a:r>
@@ -7907,8 +8266,8 @@
                 <a:solidFill>
                   <a:schemeClr val="tx1"/>
                 </a:solidFill>
-                <a:latin typeface="Times New Roman" pitchFamily="18" charset="0"/>
-                <a:cs typeface="Times New Roman" pitchFamily="18" charset="0"/>
+                <a:latin typeface="Times New Roman" panose="02020603050405020304" charset="0"/>
+                <a:cs typeface="Times New Roman" panose="02020603050405020304" charset="0"/>
               </a:rPr>
               <a:t>Managing </a:t>
             </a:r>
@@ -7917,8 +8276,8 @@
                 <a:solidFill>
                   <a:schemeClr val="tx1"/>
                 </a:solidFill>
-                <a:latin typeface="Times New Roman" pitchFamily="18" charset="0"/>
-                <a:cs typeface="Times New Roman" pitchFamily="18" charset="0"/>
+                <a:latin typeface="Times New Roman" panose="02020603050405020304" charset="0"/>
+                <a:cs typeface="Times New Roman" panose="02020603050405020304" charset="0"/>
               </a:rPr>
               <a:t>doctors data</a:t>
             </a:r>
@@ -7926,13 +8285,13 @@
               <a:solidFill>
                 <a:schemeClr val="tx1"/>
               </a:solidFill>
-              <a:latin typeface="Times New Roman" pitchFamily="18" charset="0"/>
-              <a:cs typeface="Times New Roman" pitchFamily="18" charset="0"/>
+              <a:latin typeface="Times New Roman" panose="02020603050405020304" charset="0"/>
+              <a:cs typeface="Times New Roman" panose="02020603050405020304" charset="0"/>
             </a:endParaRPr>
           </a:p>
           <a:p>
             <a:pPr marL="285750" indent="-285750">
-              <a:buFont typeface="Arial" pitchFamily="34" charset="0"/>
+              <a:buFont typeface="Arial" panose="020B0604020202020204" pitchFamily="34" charset="0"/>
               <a:buChar char="•"/>
             </a:pPr>
             <a:r>
@@ -7940,8 +8299,8 @@
                 <a:solidFill>
                   <a:schemeClr val="tx1"/>
                 </a:solidFill>
-                <a:latin typeface="Times New Roman" pitchFamily="18" charset="0"/>
-                <a:cs typeface="Times New Roman" pitchFamily="18" charset="0"/>
+                <a:latin typeface="Times New Roman" panose="02020603050405020304" charset="0"/>
+                <a:cs typeface="Times New Roman" panose="02020603050405020304" charset="0"/>
               </a:rPr>
               <a:t>Handling </a:t>
             </a:r>
@@ -7950,15 +8309,22 @@
                 <a:solidFill>
                   <a:schemeClr val="tx1"/>
                 </a:solidFill>
-                <a:latin typeface="Times New Roman" pitchFamily="18" charset="0"/>
-                <a:cs typeface="Times New Roman" pitchFamily="18" charset="0"/>
+                <a:latin typeface="Times New Roman" panose="02020603050405020304" charset="0"/>
+                <a:cs typeface="Times New Roman" panose="02020603050405020304" charset="0"/>
               </a:rPr>
               <a:t>user accounts and login procedures</a:t>
             </a:r>
+            <a:endParaRPr lang="en-GB" sz="1400" dirty="0">
+              <a:solidFill>
+                <a:schemeClr val="tx1"/>
+              </a:solidFill>
+              <a:latin typeface="Times New Roman" panose="02020603050405020304" charset="0"/>
+              <a:cs typeface="Times New Roman" panose="02020603050405020304" charset="0"/>
+            </a:endParaRPr>
           </a:p>
           <a:p>
             <a:pPr marL="285750" indent="-285750" algn="just">
-              <a:buFont typeface="Arial" pitchFamily="34" charset="0"/>
+              <a:buFont typeface="Arial" panose="020B0604020202020204" pitchFamily="34" charset="0"/>
               <a:buChar char="•"/>
             </a:pPr>
             <a:endParaRPr lang="en-US" sz="1300" dirty="0" smtClean="0">
@@ -8007,6 +8373,11 @@
               </a:rPr>
               <a:t>Project Team – High level roles &amp; responsibilities</a:t>
             </a:r>
+            <a:endParaRPr lang="en-IN" sz="1800" b="1" kern="0" dirty="0">
+              <a:solidFill>
+                <a:sysClr val="windowText" lastClr="000000"/>
+              </a:solidFill>
+            </a:endParaRPr>
           </a:p>
         </p:txBody>
       </p:sp>
@@ -8095,6 +8466,12 @@
               </a:rPr>
               <a:t>Approach:</a:t>
             </a:r>
+            <a:endParaRPr lang="en-IN" sz="1600" b="1" dirty="0">
+              <a:solidFill>
+                <a:schemeClr val="tx1"/>
+              </a:solidFill>
+              <a:latin typeface="+mj-lt"/>
+            </a:endParaRPr>
           </a:p>
           <a:p>
             <a:pPr algn="just" defTabSz="666750">
@@ -8168,6 +8545,12 @@
               </a:rPr>
               <a:t>Modules:</a:t>
             </a:r>
+            <a:endParaRPr lang="en-IN" sz="1600" b="1" dirty="0">
+              <a:solidFill>
+                <a:schemeClr val="tx1"/>
+              </a:solidFill>
+              <a:latin typeface="+mj-lt"/>
+            </a:endParaRPr>
           </a:p>
           <a:p>
             <a:pPr algn="just" defTabSz="666750">
@@ -8234,6 +8617,14 @@
               </a:rPr>
               <a:t>	</a:t>
             </a:r>
+            <a:endParaRPr lang="en-IN" sz="1600" b="1" dirty="0">
+              <a:solidFill>
+                <a:schemeClr val="tx1"/>
+              </a:solidFill>
+              <a:latin typeface="+mj-lt"/>
+              <a:ea typeface="Times New Roman" panose="02020603050405020304"/>
+              <a:cs typeface="Open Sans"/>
+            </a:endParaRPr>
           </a:p>
           <a:p>
             <a:pPr algn="just" defTabSz="666750">
@@ -8279,6 +8670,14 @@
               </a:rPr>
               <a:t>			</a:t>
             </a:r>
+            <a:endParaRPr lang="en-IN" sz="1600" b="1" dirty="0">
+              <a:solidFill>
+                <a:schemeClr val="tx1"/>
+              </a:solidFill>
+              <a:latin typeface="+mj-lt"/>
+              <a:ea typeface="Times New Roman" panose="02020603050405020304"/>
+              <a:cs typeface="Open Sans"/>
+            </a:endParaRPr>
           </a:p>
           <a:p>
             <a:pPr algn="just" defTabSz="666750">
@@ -8341,6 +8740,11 @@
                         </a:rPr>
                         <a:t>S.NO</a:t>
                       </a:r>
+                      <a:endParaRPr lang="en-IN" altLang="en-US" sz="1400" b="1" dirty="0">
+                        <a:solidFill>
+                          <a:schemeClr val="tx1"/>
+                        </a:solidFill>
+                      </a:endParaRPr>
                     </a:p>
                   </a:txBody>
                   <a:tcPr>
@@ -8389,6 +8793,11 @@
                         </a:rPr>
                         <a:t>Module Name</a:t>
                       </a:r>
+                      <a:endParaRPr lang="en-IN" altLang="en-US" sz="1400" b="1" dirty="0">
+                        <a:solidFill>
+                          <a:schemeClr val="tx1"/>
+                        </a:solidFill>
+                      </a:endParaRPr>
                     </a:p>
                   </a:txBody>
                   <a:tcPr>
@@ -8437,6 +8846,11 @@
                         </a:rPr>
                         <a:t>Description</a:t>
                       </a:r>
+                      <a:endParaRPr lang="en-IN" altLang="en-US" sz="1400" dirty="0">
+                        <a:solidFill>
+                          <a:schemeClr val="tx1"/>
+                        </a:solidFill>
+                      </a:endParaRPr>
                     </a:p>
                   </a:txBody>
                   <a:tcPr>
@@ -8487,6 +8901,11 @@
                         </a:rPr>
                         <a:t>1</a:t>
                       </a:r>
+                      <a:endParaRPr lang="en-IN" altLang="en-US" sz="1400">
+                        <a:solidFill>
+                          <a:schemeClr val="tx1"/>
+                        </a:solidFill>
+                      </a:endParaRPr>
                     </a:p>
                   </a:txBody>
                   <a:tcPr>
@@ -8539,6 +8958,15 @@
                         </a:rPr>
                         <a:t>User Management</a:t>
                       </a:r>
+                      <a:endParaRPr lang="en-IN" sz="1400" i="1" dirty="0">
+                        <a:solidFill>
+                          <a:schemeClr val="tx1"/>
+                        </a:solidFill>
+                        <a:latin typeface="+mj-lt"/>
+                        <a:ea typeface="Times New Roman" panose="02020603050405020304"/>
+                        <a:cs typeface="Open Sans"/>
+                        <a:sym typeface="+mn-ea"/>
+                      </a:endParaRPr>
                     </a:p>
                   </a:txBody>
                   <a:tcPr>
@@ -8591,6 +9019,15 @@
                         </a:rPr>
                         <a:t>Handles user registration, authentication, password management, and account recovery.</a:t>
                       </a:r>
+                      <a:endParaRPr lang="en-IN" sz="1400" b="0" dirty="0">
+                        <a:solidFill>
+                          <a:schemeClr val="tx1"/>
+                        </a:solidFill>
+                        <a:latin typeface="+mj-lt"/>
+                        <a:ea typeface="Times New Roman" panose="02020603050405020304"/>
+                        <a:cs typeface="Open Sans"/>
+                        <a:sym typeface="+mn-ea"/>
+                      </a:endParaRPr>
                     </a:p>
                   </a:txBody>
                   <a:tcPr>
@@ -8641,6 +9078,11 @@
                         </a:rPr>
                         <a:t>2</a:t>
                       </a:r>
+                      <a:endParaRPr lang="en-IN" altLang="en-US" sz="1400">
+                        <a:solidFill>
+                          <a:schemeClr val="tx1"/>
+                        </a:solidFill>
+                      </a:endParaRPr>
                     </a:p>
                   </a:txBody>
                   <a:tcPr>
@@ -8691,8 +9133,17 @@
                           <a:cs typeface="Open Sans"/>
                           <a:sym typeface="+mn-ea"/>
                         </a:rPr>
-                        <a:t>Admin Dashboard</a:t>
+                        <a:t>Admin </a:t>
                       </a:r>
+                      <a:endParaRPr lang="en-IN" sz="1400" i="1" dirty="0">
+                        <a:solidFill>
+                          <a:schemeClr val="tx1"/>
+                        </a:solidFill>
+                        <a:latin typeface="+mj-lt"/>
+                        <a:ea typeface="Times New Roman" panose="02020603050405020304"/>
+                        <a:cs typeface="Open Sans"/>
+                        <a:sym typeface="+mn-ea"/>
+                      </a:endParaRPr>
                     </a:p>
                   </a:txBody>
                   <a:tcPr>
@@ -8745,6 +9196,15 @@
                         </a:rPr>
                         <a:t>Provides summary statistics, manages master entries, appointments, patient profiles, and payments for admin users</a:t>
                       </a:r>
+                      <a:endParaRPr lang="en-IN" sz="1400" b="0" dirty="0">
+                        <a:solidFill>
+                          <a:schemeClr val="tx1"/>
+                        </a:solidFill>
+                        <a:latin typeface="+mj-lt"/>
+                        <a:ea typeface="Times New Roman" panose="02020603050405020304"/>
+                        <a:cs typeface="Open Sans"/>
+                        <a:sym typeface="+mn-ea"/>
+                      </a:endParaRPr>
                     </a:p>
                   </a:txBody>
                   <a:tcPr>
@@ -8795,6 +9255,11 @@
                         </a:rPr>
                         <a:t>3</a:t>
                       </a:r>
+                      <a:endParaRPr lang="en-IN" altLang="en-US" sz="1400">
+                        <a:solidFill>
+                          <a:schemeClr val="tx1"/>
+                        </a:solidFill>
+                      </a:endParaRPr>
                     </a:p>
                   </a:txBody>
                   <a:tcPr>
@@ -8845,8 +9310,17 @@
                           <a:cs typeface="Open Sans"/>
                           <a:sym typeface="+mn-ea"/>
                         </a:rPr>
-                        <a:t>Diagnostic Center User Dashboard</a:t>
+                        <a:t>Diagnostic Center User </a:t>
                       </a:r>
+                      <a:endParaRPr lang="en-IN" sz="1400" i="1" dirty="0">
+                        <a:solidFill>
+                          <a:schemeClr val="tx1"/>
+                        </a:solidFill>
+                        <a:latin typeface="+mj-lt"/>
+                        <a:ea typeface="Times New Roman" panose="02020603050405020304"/>
+                        <a:cs typeface="Open Sans"/>
+                        <a:sym typeface="+mn-ea"/>
+                      </a:endParaRPr>
                     </a:p>
                   </a:txBody>
                   <a:tcPr>
@@ -8895,6 +9369,11 @@
                         </a:rPr>
                         <a:t>Allows diagnostic center users to manage test categories, tests, generate bills, and upload test reports</a:t>
                       </a:r>
+                      <a:endParaRPr lang="en-US" sz="1400" b="0" dirty="0">
+                        <a:solidFill>
+                          <a:schemeClr val="tx1"/>
+                        </a:solidFill>
+                      </a:endParaRPr>
                     </a:p>
                   </a:txBody>
                   <a:tcPr>
@@ -8945,6 +9424,11 @@
                         </a:rPr>
                         <a:t>4</a:t>
                       </a:r>
+                      <a:endParaRPr lang="en-IN" altLang="en-US" sz="1400" dirty="0">
+                        <a:solidFill>
+                          <a:schemeClr val="tx1"/>
+                        </a:solidFill>
+                      </a:endParaRPr>
                     </a:p>
                   </a:txBody>
                   <a:tcPr>
@@ -8995,8 +9479,17 @@
                           <a:cs typeface="Open Sans"/>
                           <a:sym typeface="+mn-ea"/>
                         </a:rPr>
-                        <a:t>Patient Dashboard</a:t>
+                        <a:t>Patient </a:t>
                       </a:r>
+                      <a:endParaRPr lang="en-IN" sz="1400" i="1" dirty="0">
+                        <a:solidFill>
+                          <a:schemeClr val="tx1"/>
+                        </a:solidFill>
+                        <a:latin typeface="+mj-lt"/>
+                        <a:ea typeface="Times New Roman" panose="02020603050405020304"/>
+                        <a:cs typeface="Open Sans"/>
+                        <a:sym typeface="+mn-ea"/>
+                      </a:endParaRPr>
                     </a:p>
                   </a:txBody>
                   <a:tcPr>
@@ -9045,6 +9538,11 @@
                         </a:rPr>
                         <a:t> Enables patients to view, book, and reschedule appointments, access profiles, and manage family members.</a:t>
                       </a:r>
+                      <a:endParaRPr lang="en-US" sz="1400" b="0" dirty="0">
+                        <a:solidFill>
+                          <a:schemeClr val="tx1"/>
+                        </a:solidFill>
+                      </a:endParaRPr>
                     </a:p>
                   </a:txBody>
                   <a:tcPr>
@@ -9118,6 +9616,11 @@
               </a:rPr>
               <a:t>Project Approach</a:t>
             </a:r>
+            <a:endParaRPr lang="en-IN" sz="1800" b="1" kern="0" dirty="0">
+              <a:solidFill>
+                <a:sysClr val="windowText" lastClr="000000"/>
+              </a:solidFill>
+            </a:endParaRPr>
           </a:p>
         </p:txBody>
       </p:sp>
@@ -9208,6 +9711,14 @@
               </a:rPr>
               <a:t>Phases:</a:t>
             </a:r>
+            <a:endParaRPr lang="en-IN" sz="1800" b="1" dirty="0">
+              <a:solidFill>
+                <a:schemeClr val="tx1"/>
+              </a:solidFill>
+              <a:latin typeface="+mj-lt"/>
+              <a:ea typeface="Times New Roman" panose="02020603050405020304"/>
+              <a:cs typeface="Open Sans"/>
+            </a:endParaRPr>
           </a:p>
           <a:p>
             <a:pPr marL="285750" indent="-285750" algn="just" defTabSz="666750">
@@ -9234,6 +9745,14 @@
               </a:rPr>
               <a:t>Analysis of Statement </a:t>
             </a:r>
+            <a:endParaRPr lang="en-IN" sz="1600" dirty="0">
+              <a:solidFill>
+                <a:schemeClr val="tx1"/>
+              </a:solidFill>
+              <a:latin typeface="Times New Roman" panose="02020603050405020304" charset="0"/>
+              <a:ea typeface="Times New Roman" panose="02020603050405020304"/>
+              <a:cs typeface="Times New Roman" panose="02020603050405020304" charset="0"/>
+            </a:endParaRPr>
           </a:p>
           <a:p>
             <a:pPr marL="285750" indent="-285750" algn="just" defTabSz="666750">
@@ -9260,6 +9779,14 @@
               </a:rPr>
               <a:t>Understanding Functionalities </a:t>
             </a:r>
+            <a:endParaRPr lang="en-IN" sz="1600" dirty="0">
+              <a:solidFill>
+                <a:schemeClr val="tx1"/>
+              </a:solidFill>
+              <a:latin typeface="Times New Roman" panose="02020603050405020304" charset="0"/>
+              <a:ea typeface="Times New Roman" panose="02020603050405020304"/>
+              <a:cs typeface="Times New Roman" panose="02020603050405020304" charset="0"/>
+            </a:endParaRPr>
           </a:p>
           <a:p>
             <a:pPr marL="285750" indent="-285750" algn="just" defTabSz="666750">
@@ -9284,8 +9811,16 @@
                 <a:ea typeface="Times New Roman" panose="02020603050405020304"/>
                 <a:cs typeface="Times New Roman" panose="02020603050405020304" charset="0"/>
               </a:rPr>
-              <a:t>Understanding and Creating Database</a:t>
-            </a:r>
+              <a:t>Creating Database</a:t>
+            </a:r>
+            <a:endParaRPr lang="en-IN" sz="1600" dirty="0">
+              <a:solidFill>
+                <a:schemeClr val="tx1"/>
+              </a:solidFill>
+              <a:latin typeface="Times New Roman" panose="02020603050405020304" charset="0"/>
+              <a:ea typeface="Times New Roman" panose="02020603050405020304"/>
+              <a:cs typeface="Times New Roman" panose="02020603050405020304" charset="0"/>
+            </a:endParaRPr>
           </a:p>
           <a:p>
             <a:pPr marL="285750" indent="-285750" algn="just" defTabSz="666750">
@@ -9312,6 +9847,14 @@
               </a:rPr>
               <a:t>Designing wireframes and pages</a:t>
             </a:r>
+            <a:endParaRPr lang="en-IN" sz="1600" dirty="0">
+              <a:solidFill>
+                <a:schemeClr val="tx1"/>
+              </a:solidFill>
+              <a:latin typeface="Times New Roman" panose="02020603050405020304" charset="0"/>
+              <a:ea typeface="Times New Roman" panose="02020603050405020304"/>
+              <a:cs typeface="Times New Roman" panose="02020603050405020304" charset="0"/>
+            </a:endParaRPr>
           </a:p>
           <a:p>
             <a:pPr marL="285750" indent="-285750" algn="just" defTabSz="666750">
@@ -9338,6 +9881,14 @@
               </a:rPr>
               <a:t>Identifying controllers</a:t>
             </a:r>
+            <a:endParaRPr lang="en-IN" sz="1600" dirty="0">
+              <a:solidFill>
+                <a:schemeClr val="tx1"/>
+              </a:solidFill>
+              <a:latin typeface="Times New Roman" panose="02020603050405020304" charset="0"/>
+              <a:ea typeface="Times New Roman" panose="02020603050405020304"/>
+              <a:cs typeface="Times New Roman" panose="02020603050405020304" charset="0"/>
+            </a:endParaRPr>
           </a:p>
           <a:p>
             <a:pPr marL="285750" indent="-285750" algn="just" defTabSz="666750">
@@ -9364,6 +9915,14 @@
               </a:rPr>
               <a:t>Division of controllers and modules</a:t>
             </a:r>
+            <a:endParaRPr lang="en-IN" sz="1600" dirty="0">
+              <a:solidFill>
+                <a:schemeClr val="tx1"/>
+              </a:solidFill>
+              <a:latin typeface="Times New Roman" panose="02020603050405020304" charset="0"/>
+              <a:ea typeface="Times New Roman" panose="02020603050405020304"/>
+              <a:cs typeface="Times New Roman" panose="02020603050405020304" charset="0"/>
+            </a:endParaRPr>
           </a:p>
           <a:p>
             <a:pPr marL="285750" indent="-285750" algn="just" defTabSz="666750">
@@ -9390,6 +9949,14 @@
               </a:rPr>
               <a:t>Integration of  work</a:t>
             </a:r>
+            <a:endParaRPr lang="en-IN" sz="1600" dirty="0">
+              <a:solidFill>
+                <a:schemeClr val="tx1"/>
+              </a:solidFill>
+              <a:latin typeface="Times New Roman" panose="02020603050405020304" charset="0"/>
+              <a:ea typeface="Times New Roman" panose="02020603050405020304"/>
+              <a:cs typeface="Times New Roman" panose="02020603050405020304" charset="0"/>
+            </a:endParaRPr>
           </a:p>
           <a:p>
             <a:pPr marL="285750" indent="-285750" algn="just" defTabSz="666750">
@@ -9427,6 +9994,14 @@
               </a:rPr>
               <a:t>Logging</a:t>
             </a:r>
+            <a:endParaRPr lang="en-IN" sz="1600" dirty="0" smtClean="0">
+              <a:solidFill>
+                <a:schemeClr val="tx1"/>
+              </a:solidFill>
+              <a:latin typeface="Times New Roman" panose="02020603050405020304" charset="0"/>
+              <a:ea typeface="Times New Roman" panose="02020603050405020304"/>
+              <a:cs typeface="Times New Roman" panose="02020603050405020304" charset="0"/>
+            </a:endParaRPr>
           </a:p>
           <a:p>
             <a:pPr algn="just" defTabSz="666750">
@@ -9481,6 +10056,13 @@
               </a:rPr>
               <a:t>Adopted</a:t>
             </a:r>
+            <a:endParaRPr lang="en-IN" sz="1600" b="1" dirty="0" smtClean="0">
+              <a:solidFill>
+                <a:schemeClr val="tx1"/>
+              </a:solidFill>
+              <a:latin typeface="+mj-lt"/>
+              <a:sym typeface="+mn-ea"/>
+            </a:endParaRPr>
           </a:p>
           <a:p>
             <a:pPr marL="285750" indent="-285750" algn="just" defTabSz="666750">
@@ -9623,6 +10205,11 @@
               </a:rPr>
               <a:t>prioritized them.</a:t>
             </a:r>
+            <a:endParaRPr lang="en-US" sz="1600" dirty="0" smtClean="0">
+              <a:solidFill>
+                <a:schemeClr val="tx1"/>
+              </a:solidFill>
+            </a:endParaRPr>
           </a:p>
           <a:p>
             <a:pPr marL="285750" indent="-285750" algn="just" defTabSz="666750">
@@ -9654,6 +10241,11 @@
               </a:rPr>
               <a:t>errors.</a:t>
             </a:r>
+            <a:endParaRPr lang="en-GB" sz="1600" dirty="0" smtClean="0">
+              <a:solidFill>
+                <a:schemeClr val="tx1"/>
+              </a:solidFill>
+            </a:endParaRPr>
           </a:p>
           <a:p>
             <a:pPr marL="285750" indent="-285750" algn="just" defTabSz="666750">
@@ -9724,6 +10316,14 @@
               </a:rPr>
               <a:t>.</a:t>
             </a:r>
+            <a:endParaRPr lang="en-US" altLang="en-IN" sz="1600" dirty="0" smtClean="0">
+              <a:solidFill>
+                <a:schemeClr val="tx1"/>
+              </a:solidFill>
+              <a:latin typeface="+mj-lt"/>
+              <a:ea typeface="Times New Roman" panose="02020603050405020304"/>
+              <a:cs typeface="Open Sans"/>
+            </a:endParaRPr>
           </a:p>
           <a:p>
             <a:pPr marL="285750" indent="-285750" algn="just" defTabSz="666750">
@@ -9942,6 +10542,11 @@
               </a:rPr>
               <a:t>Project Planning, Management &amp; Control</a:t>
             </a:r>
+            <a:endParaRPr lang="en-IN" sz="1800" b="1" kern="0" dirty="0">
+              <a:solidFill>
+                <a:sysClr val="windowText" lastClr="000000"/>
+              </a:solidFill>
+            </a:endParaRPr>
           </a:p>
         </p:txBody>
       </p:sp>
@@ -10178,6 +10783,11 @@
               </a:rPr>
               <a:t>G. Beulah Christiana </a:t>
             </a:r>
+            <a:endParaRPr lang="en-IN" sz="1400" dirty="0">
+              <a:solidFill>
+                <a:schemeClr val="tx1"/>
+              </a:solidFill>
+            </a:endParaRPr>
           </a:p>
         </p:txBody>
       </p:sp>
@@ -10533,6 +11143,11 @@
               </a:rPr>
               <a:t>Priyadarshini</a:t>
             </a:r>
+            <a:endParaRPr lang="en-IN" sz="1400" dirty="0">
+              <a:solidFill>
+                <a:schemeClr val="tx1"/>
+              </a:solidFill>
+            </a:endParaRPr>
           </a:p>
         </p:txBody>
       </p:sp>
@@ -10597,7 +11212,7 @@
                 <a:ea typeface="Times New Roman" panose="02020603050405020304"/>
                 <a:cs typeface="Times New Roman" panose="02020603050405020304" charset="0"/>
               </a:rPr>
-              <a:t>Admins upload the Post Consultation Reports and the patients will be able to view and print the </a:t>
+              <a:t>Admins upload the Post Consultation Reports and the patients will be able to view , </a:t>
             </a:r>
             <a:r>
               <a:rPr lang="en-IN" sz="1400" dirty="0" smtClean="0">
@@ -10607,8 +11222,31 @@
                 <a:latin typeface="Times New Roman" panose="02020603050405020304" charset="0"/>
                 <a:ea typeface="Times New Roman" panose="02020603050405020304"/>
                 <a:cs typeface="Times New Roman" panose="02020603050405020304" charset="0"/>
-              </a:rPr>
-              <a:t>reports also display of </a:t>
+                <a:sym typeface="+mn-ea"/>
+              </a:rPr>
+              <a:t>also</a:t>
+            </a:r>
+            <a:r>
+              <a:rPr lang="en-IN" sz="1400" dirty="0">
+                <a:solidFill>
+                  <a:schemeClr val="tx1"/>
+                </a:solidFill>
+                <a:latin typeface="Times New Roman" panose="02020603050405020304" charset="0"/>
+                <a:ea typeface="Times New Roman" panose="02020603050405020304"/>
+                <a:cs typeface="Times New Roman" panose="02020603050405020304" charset="0"/>
+              </a:rPr>
+              <a:t> print the </a:t>
+            </a:r>
+            <a:r>
+              <a:rPr lang="en-IN" sz="1400" dirty="0" smtClean="0">
+                <a:solidFill>
+                  <a:schemeClr val="tx1"/>
+                </a:solidFill>
+                <a:latin typeface="Times New Roman" panose="02020603050405020304" charset="0"/>
+                <a:ea typeface="Times New Roman" panose="02020603050405020304"/>
+                <a:cs typeface="Times New Roman" panose="02020603050405020304" charset="0"/>
+              </a:rPr>
+              <a:t>reports and  manages </a:t>
             </a:r>
             <a:r>
               <a:rPr lang="en-IN" sz="1400" dirty="0">
@@ -10831,7 +11469,29 @@
                 <a:ea typeface="Times New Roman" panose="02020603050405020304"/>
                 <a:cs typeface="Times New Roman" panose="02020603050405020304" charset="0"/>
               </a:rPr>
-              <a:t> in patient profile.</a:t>
+              <a:t> in patient profile </a:t>
+            </a:r>
+            <a:r>
+              <a:rPr lang="en-IN" altLang="en-GB" sz="1400" dirty="0" smtClean="0">
+                <a:solidFill>
+                  <a:schemeClr val="tx1"/>
+                </a:solidFill>
+                <a:latin typeface="Times New Roman" panose="02020603050405020304" charset="0"/>
+                <a:cs typeface="Times New Roman" panose="02020603050405020304" charset="0"/>
+                <a:sym typeface="+mn-ea"/>
+              </a:rPr>
+              <a:t>and revenue generated by tests</a:t>
+            </a:r>
+            <a:r>
+              <a:rPr lang="en-IN" sz="1400" dirty="0" smtClean="0">
+                <a:solidFill>
+                  <a:schemeClr val="tx1"/>
+                </a:solidFill>
+                <a:latin typeface="Times New Roman" panose="02020603050405020304" charset="0"/>
+                <a:ea typeface="Times New Roman" panose="02020603050405020304"/>
+                <a:cs typeface="Times New Roman" panose="02020603050405020304" charset="0"/>
+              </a:rPr>
+              <a:t>.</a:t>
             </a:r>
             <a:endParaRPr lang="en-IN" sz="1400" dirty="0">
               <a:solidFill>
@@ -10926,6 +11586,11 @@
               </a:rPr>
               <a:t> Rama </a:t>
             </a:r>
+            <a:endParaRPr lang="en-IN" sz="1400" dirty="0">
+              <a:solidFill>
+                <a:schemeClr val="tx1"/>
+              </a:solidFill>
+            </a:endParaRPr>
           </a:p>
         </p:txBody>
       </p:sp>
@@ -11393,15 +12058,11 @@
               <a:rPr lang="en-US" sz="1800" b="1" dirty="0"/>
               <a:t>Planning - Tasks &amp; Task Allocation</a:t>
             </a:r>
+            <a:endParaRPr lang="en-US" sz="1800" b="1" dirty="0"/>
           </a:p>
         </p:txBody>
       </p:sp>
     </p:spTree>
-    <p:extLst>
-      <p:ext uri="{BB962C8B-B14F-4D97-AF65-F5344CB8AC3E}">
-        <p14:creationId xmlns:p14="http://schemas.microsoft.com/office/powerpoint/2010/main" val="592624754"/>
-      </p:ext>
-    </p:extLst>
   </p:cSld>
   <p:clrMapOvr>
     <a:masterClrMapping/>
@@ -11671,6 +12332,11 @@
               </a:rPr>
               <a:t>Project - Demonstration</a:t>
             </a:r>
+            <a:endParaRPr lang="en-IN" sz="1800" b="1" kern="0" dirty="0">
+              <a:solidFill>
+                <a:sysClr val="windowText" lastClr="000000"/>
+              </a:solidFill>
+            </a:endParaRPr>
           </a:p>
         </p:txBody>
       </p:sp>
@@ -11960,11 +12626,9 @@
       </a:bgFillStyleLst>
     </a:fmtScheme>
   </a:themeElements>
-  <a:objectDefaults/>
-  <a:extraClrSchemeLst/>
   <a:extLst>
     <a:ext uri="{05A4C25C-085E-4340-85A3-A5531E510DB2}">
-      <thm15:themeFamily xmlns:thm15="http://schemas.microsoft.com/office/thememl/2012/main" xmlns="" name="Office Theme" id="{62F939B6-93AF-4DB8-9C6B-D6C7DFDC589F}" vid="{4A3C46E8-61CC-4603-A589-7422A47A8E4A}"/>
+      <thm15:themeFamily xmlns:thm15="http://schemas.microsoft.com/office/thememl/2012/main" name="Office Theme" id="{62F939B6-93AF-4DB8-9C6B-D6C7DFDC589F}" vid="{4A3C46E8-61CC-4603-A589-7422A47A8E4A}"/>
     </a:ext>
   </a:extLst>
 </a:theme>
@@ -12221,11 +12885,9 @@
       </a:bgFillStyleLst>
     </a:fmtScheme>
   </a:themeElements>
-  <a:objectDefaults/>
-  <a:extraClrSchemeLst/>
   <a:extLst>
     <a:ext uri="{05A4C25C-085E-4340-85A3-A5531E510DB2}">
-      <thm15:themeFamily xmlns:thm15="http://schemas.microsoft.com/office/thememl/2012/main" xmlns="" name="Office Theme" id="{62F939B6-93AF-4DB8-9C6B-D6C7DFDC589F}" vid="{4A3C46E8-61CC-4603-A589-7422A47A8E4A}"/>
+      <thm15:themeFamily xmlns:thm15="http://schemas.microsoft.com/office/thememl/2012/main" name="Office Theme" id="{62F939B6-93AF-4DB8-9C6B-D6C7DFDC589F}" vid="{4A3C46E8-61CC-4603-A589-7422A47A8E4A}"/>
     </a:ext>
   </a:extLst>
 </a:theme>
